--- a/FlowChart/amalll.pptx
+++ b/FlowChart/amalll.pptx
@@ -296,7 +296,7 @@
           <a:p>
             <a:fld id="{DB7F5236-D303-4857-920A-DA3F61778386}" type="datetimeFigureOut">
               <a:rPr lang="en-US" smtClean="0"/>
-              <a:t>3/5/2020</a:t>
+              <a:t>3/7/2020</a:t>
             </a:fld>
             <a:endParaRPr lang="en-US"/>
           </a:p>
@@ -496,7 +496,7 @@
           <a:p>
             <a:fld id="{DB7F5236-D303-4857-920A-DA3F61778386}" type="datetimeFigureOut">
               <a:rPr lang="en-US" smtClean="0"/>
-              <a:t>3/5/2020</a:t>
+              <a:t>3/7/2020</a:t>
             </a:fld>
             <a:endParaRPr lang="en-US"/>
           </a:p>
@@ -706,7 +706,7 @@
           <a:p>
             <a:fld id="{DB7F5236-D303-4857-920A-DA3F61778386}" type="datetimeFigureOut">
               <a:rPr lang="en-US" smtClean="0"/>
-              <a:t>3/5/2020</a:t>
+              <a:t>3/7/2020</a:t>
             </a:fld>
             <a:endParaRPr lang="en-US"/>
           </a:p>
@@ -906,7 +906,7 @@
           <a:p>
             <a:fld id="{DB7F5236-D303-4857-920A-DA3F61778386}" type="datetimeFigureOut">
               <a:rPr lang="en-US" smtClean="0"/>
-              <a:t>3/5/2020</a:t>
+              <a:t>3/7/2020</a:t>
             </a:fld>
             <a:endParaRPr lang="en-US"/>
           </a:p>
@@ -1182,7 +1182,7 @@
           <a:p>
             <a:fld id="{DB7F5236-D303-4857-920A-DA3F61778386}" type="datetimeFigureOut">
               <a:rPr lang="en-US" smtClean="0"/>
-              <a:t>3/5/2020</a:t>
+              <a:t>3/7/2020</a:t>
             </a:fld>
             <a:endParaRPr lang="en-US"/>
           </a:p>
@@ -1450,7 +1450,7 @@
           <a:p>
             <a:fld id="{DB7F5236-D303-4857-920A-DA3F61778386}" type="datetimeFigureOut">
               <a:rPr lang="en-US" smtClean="0"/>
-              <a:t>3/5/2020</a:t>
+              <a:t>3/7/2020</a:t>
             </a:fld>
             <a:endParaRPr lang="en-US"/>
           </a:p>
@@ -1865,7 +1865,7 @@
           <a:p>
             <a:fld id="{DB7F5236-D303-4857-920A-DA3F61778386}" type="datetimeFigureOut">
               <a:rPr lang="en-US" smtClean="0"/>
-              <a:t>3/5/2020</a:t>
+              <a:t>3/7/2020</a:t>
             </a:fld>
             <a:endParaRPr lang="en-US"/>
           </a:p>
@@ -2007,7 +2007,7 @@
           <a:p>
             <a:fld id="{DB7F5236-D303-4857-920A-DA3F61778386}" type="datetimeFigureOut">
               <a:rPr lang="en-US" smtClean="0"/>
-              <a:t>3/5/2020</a:t>
+              <a:t>3/7/2020</a:t>
             </a:fld>
             <a:endParaRPr lang="en-US"/>
           </a:p>
@@ -2120,7 +2120,7 @@
           <a:p>
             <a:fld id="{DB7F5236-D303-4857-920A-DA3F61778386}" type="datetimeFigureOut">
               <a:rPr lang="en-US" smtClean="0"/>
-              <a:t>3/5/2020</a:t>
+              <a:t>3/7/2020</a:t>
             </a:fld>
             <a:endParaRPr lang="en-US"/>
           </a:p>
@@ -2433,7 +2433,7 @@
           <a:p>
             <a:fld id="{DB7F5236-D303-4857-920A-DA3F61778386}" type="datetimeFigureOut">
               <a:rPr lang="en-US" smtClean="0"/>
-              <a:t>3/5/2020</a:t>
+              <a:t>3/7/2020</a:t>
             </a:fld>
             <a:endParaRPr lang="en-US"/>
           </a:p>
@@ -2722,7 +2722,7 @@
           <a:p>
             <a:fld id="{DB7F5236-D303-4857-920A-DA3F61778386}" type="datetimeFigureOut">
               <a:rPr lang="en-US" smtClean="0"/>
-              <a:t>3/5/2020</a:t>
+              <a:t>3/7/2020</a:t>
             </a:fld>
             <a:endParaRPr lang="en-US"/>
           </a:p>
@@ -2965,7 +2965,7 @@
           <a:p>
             <a:fld id="{DB7F5236-D303-4857-920A-DA3F61778386}" type="datetimeFigureOut">
               <a:rPr lang="en-US" smtClean="0"/>
-              <a:t>3/5/2020</a:t>
+              <a:t>3/7/2020</a:t>
             </a:fld>
             <a:endParaRPr lang="en-US"/>
           </a:p>
@@ -4177,7 +4177,7 @@
         <p:spPr>
           <a:xfrm>
             <a:off x="1331650" y="2186100"/>
-            <a:ext cx="10280341" cy="2308324"/>
+            <a:ext cx="10280341" cy="2862322"/>
           </a:xfrm>
           <a:prstGeom prst="rect">
             <a:avLst/>
@@ -4191,11 +4191,25 @@
           <a:p>
             <a:pPr algn="r" rtl="1"/>
             <a:r>
+              <a:rPr lang="he-IL" sz="3600" dirty="0" err="1">
+                <a:latin typeface="David" panose="020E0502060401010101" pitchFamily="34" charset="-79"/>
+                <a:cs typeface="David" panose="020E0502060401010101" pitchFamily="34" charset="-79"/>
+              </a:rPr>
+              <a:t>לסבטה</a:t>
+            </a:r>
+            <a:r>
+              <a:rPr lang="he-IL" sz="3600">
+                <a:latin typeface="David" panose="020E0502060401010101" pitchFamily="34" charset="-79"/>
+                <a:cs typeface="David" panose="020E0502060401010101" pitchFamily="34" charset="-79"/>
+              </a:rPr>
+              <a:t>, דנה, </a:t>
+            </a:r>
+            <a:r>
               <a:rPr lang="he-IL" sz="3600" dirty="0">
                 <a:latin typeface="David" panose="020E0502060401010101" pitchFamily="34" charset="-79"/>
                 <a:cs typeface="David" panose="020E0502060401010101" pitchFamily="34" charset="-79"/>
               </a:rPr>
-              <a:t>לסבטה, מרים, עדי, אילן, עידו ואסרא היקרים אנחנו מודים לכם על הליווי וההתייעצות. תודה על הנדיבות וטוב הלב,</a:t>
+              <a:t>מרים, עדי, אילן, עידו ואסרא היקרים אנחנו מודים לכם על הליווי וההתייעצות. תודה על הנדיבות וטוב הלב,</a:t>
             </a:r>
             <a:r>
               <a:rPr lang="en-US" sz="3600" dirty="0">
@@ -5094,11 +5108,11 @@
   <p:clrMapOvr>
     <a:masterClrMapping/>
   </p:clrMapOvr>
-  <mc:AlternateContent xmlns:mc="http://schemas.openxmlformats.org/markup-compatibility/2006">
-    <mc:Choice xmlns:p14="http://schemas.microsoft.com/office/powerpoint/2010/main" Requires="p14">
+  <mc:AlternateContent xmlns:mc="http://schemas.openxmlformats.org/markup-compatibility/2006" xmlns:p14="http://schemas.microsoft.com/office/powerpoint/2010/main">
+    <mc:Choice Requires="p14">
       <p:transition p14:dur="10"/>
     </mc:Choice>
-    <mc:Fallback>
+    <mc:Fallback xmlns="">
       <p:transition/>
     </mc:Fallback>
   </mc:AlternateContent>
@@ -5947,7 +5961,7 @@
           <a:graphicData uri="http://schemas.openxmlformats.org/presentationml/2006/ole">
             <mc:AlternateContent xmlns:mc="http://schemas.openxmlformats.org/markup-compatibility/2006">
               <mc:Choice xmlns:v="urn:schemas-microsoft-com:vml" Requires="v">
-                <p:oleObj spid="_x0000_s1066" name="Packager Shell Object" showAsIcon="1" r:id="rId4" imgW="902880" imgH="439560" progId="Package">
+                <p:oleObj spid="_x0000_s1071" name="Packager Shell Object" showAsIcon="1" r:id="rId4" imgW="902880" imgH="439560" progId="Package">
                   <p:embed/>
                 </p:oleObj>
               </mc:Choice>
@@ -6010,7 +6024,7 @@
           <a:graphicData uri="http://schemas.openxmlformats.org/presentationml/2006/ole">
             <mc:AlternateContent xmlns:mc="http://schemas.openxmlformats.org/markup-compatibility/2006">
               <mc:Choice xmlns:v="urn:schemas-microsoft-com:vml" Requires="v">
-                <p:oleObj spid="_x0000_s1067" name="Packager Shell Object" showAsIcon="1" r:id="rId6" imgW="844920" imgH="439560" progId="Package">
+                <p:oleObj spid="_x0000_s1072" name="Packager Shell Object" showAsIcon="1" r:id="rId6" imgW="844920" imgH="439560" progId="Package">
                   <p:embed/>
                 </p:oleObj>
               </mc:Choice>
@@ -6073,7 +6087,7 @@
           <a:graphicData uri="http://schemas.openxmlformats.org/presentationml/2006/ole">
             <mc:AlternateContent xmlns:mc="http://schemas.openxmlformats.org/markup-compatibility/2006">
               <mc:Choice xmlns:v="urn:schemas-microsoft-com:vml" Requires="v">
-                <p:oleObj spid="_x0000_s1068" name="Packager Shell Object" showAsIcon="1" r:id="rId8" imgW="1199880" imgH="439560" progId="Package">
+                <p:oleObj spid="_x0000_s1073" name="Packager Shell Object" showAsIcon="1" r:id="rId8" imgW="1199880" imgH="439560" progId="Package">
                   <p:embed/>
                 </p:oleObj>
               </mc:Choice>
@@ -6136,7 +6150,7 @@
           <a:graphicData uri="http://schemas.openxmlformats.org/presentationml/2006/ole">
             <mc:AlternateContent xmlns:mc="http://schemas.openxmlformats.org/markup-compatibility/2006">
               <mc:Choice xmlns:v="urn:schemas-microsoft-com:vml" Requires="v">
-                <p:oleObj spid="_x0000_s1069" name="Packager Shell Object" showAsIcon="1" r:id="rId10" imgW="1167480" imgH="439560" progId="Package">
+                <p:oleObj spid="_x0000_s1074" name="Packager Shell Object" showAsIcon="1" r:id="rId10" imgW="1167480" imgH="439560" progId="Package">
                   <p:embed/>
                 </p:oleObj>
               </mc:Choice>
@@ -6199,7 +6213,7 @@
           <a:graphicData uri="http://schemas.openxmlformats.org/presentationml/2006/ole">
             <mc:AlternateContent xmlns:mc="http://schemas.openxmlformats.org/markup-compatibility/2006">
               <mc:Choice xmlns:v="urn:schemas-microsoft-com:vml" Requires="v">
-                <p:oleObj spid="_x0000_s1070" name="Packager Shell Object" showAsIcon="1" r:id="rId12" imgW="857880" imgH="439560" progId="Package">
+                <p:oleObj spid="_x0000_s1075" name="Packager Shell Object" showAsIcon="1" r:id="rId12" imgW="857880" imgH="439560" progId="Package">
                   <p:embed/>
                 </p:oleObj>
               </mc:Choice>
